--- a/Java Урок 21 Колекції. List. Queue.pptx
+++ b/Java Урок 21 Колекції. List. Queue.pptx
@@ -222,7 +222,7 @@
           <a:p>
             <a:fld id="{5A4F87D7-911E-4527-9694-9D5C84DC07D1}" type="datetimeFigureOut">
               <a:rPr lang="uk-UA" smtClean="0"/>
-              <a:t>17.01.2024</a:t>
+              <a:t>28.02.2024</a:t>
             </a:fld>
             <a:endParaRPr lang="uk-UA"/>
           </a:p>
@@ -893,7 +893,7 @@
           <a:p>
             <a:fld id="{D0D32466-2303-42CB-9FA8-8B6EFE5FE206}" type="datetimeFigureOut">
               <a:rPr lang="uk-UA" smtClean="0"/>
-              <a:t>17.01.2024</a:t>
+              <a:t>28.02.2024</a:t>
             </a:fld>
             <a:endParaRPr lang="uk-UA"/>
           </a:p>
@@ -1093,7 +1093,7 @@
           <a:p>
             <a:fld id="{D0D32466-2303-42CB-9FA8-8B6EFE5FE206}" type="datetimeFigureOut">
               <a:rPr lang="uk-UA" smtClean="0"/>
-              <a:t>17.01.2024</a:t>
+              <a:t>28.02.2024</a:t>
             </a:fld>
             <a:endParaRPr lang="uk-UA"/>
           </a:p>
@@ -1303,7 +1303,7 @@
           <a:p>
             <a:fld id="{D0D32466-2303-42CB-9FA8-8B6EFE5FE206}" type="datetimeFigureOut">
               <a:rPr lang="uk-UA" smtClean="0"/>
-              <a:t>17.01.2024</a:t>
+              <a:t>28.02.2024</a:t>
             </a:fld>
             <a:endParaRPr lang="uk-UA"/>
           </a:p>
@@ -1503,7 +1503,7 @@
           <a:p>
             <a:fld id="{D0D32466-2303-42CB-9FA8-8B6EFE5FE206}" type="datetimeFigureOut">
               <a:rPr lang="uk-UA" smtClean="0"/>
-              <a:t>17.01.2024</a:t>
+              <a:t>28.02.2024</a:t>
             </a:fld>
             <a:endParaRPr lang="uk-UA"/>
           </a:p>
@@ -1779,7 +1779,7 @@
           <a:p>
             <a:fld id="{D0D32466-2303-42CB-9FA8-8B6EFE5FE206}" type="datetimeFigureOut">
               <a:rPr lang="uk-UA" smtClean="0"/>
-              <a:t>17.01.2024</a:t>
+              <a:t>28.02.2024</a:t>
             </a:fld>
             <a:endParaRPr lang="uk-UA"/>
           </a:p>
@@ -2047,7 +2047,7 @@
           <a:p>
             <a:fld id="{D0D32466-2303-42CB-9FA8-8B6EFE5FE206}" type="datetimeFigureOut">
               <a:rPr lang="uk-UA" smtClean="0"/>
-              <a:t>17.01.2024</a:t>
+              <a:t>28.02.2024</a:t>
             </a:fld>
             <a:endParaRPr lang="uk-UA"/>
           </a:p>
@@ -2462,7 +2462,7 @@
           <a:p>
             <a:fld id="{D0D32466-2303-42CB-9FA8-8B6EFE5FE206}" type="datetimeFigureOut">
               <a:rPr lang="uk-UA" smtClean="0"/>
-              <a:t>17.01.2024</a:t>
+              <a:t>28.02.2024</a:t>
             </a:fld>
             <a:endParaRPr lang="uk-UA"/>
           </a:p>
@@ -2604,7 +2604,7 @@
           <a:p>
             <a:fld id="{D0D32466-2303-42CB-9FA8-8B6EFE5FE206}" type="datetimeFigureOut">
               <a:rPr lang="uk-UA" smtClean="0"/>
-              <a:t>17.01.2024</a:t>
+              <a:t>28.02.2024</a:t>
             </a:fld>
             <a:endParaRPr lang="uk-UA"/>
           </a:p>
@@ -2717,7 +2717,7 @@
           <a:p>
             <a:fld id="{D0D32466-2303-42CB-9FA8-8B6EFE5FE206}" type="datetimeFigureOut">
               <a:rPr lang="uk-UA" smtClean="0"/>
-              <a:t>17.01.2024</a:t>
+              <a:t>28.02.2024</a:t>
             </a:fld>
             <a:endParaRPr lang="uk-UA"/>
           </a:p>
@@ -3030,7 +3030,7 @@
           <a:p>
             <a:fld id="{D0D32466-2303-42CB-9FA8-8B6EFE5FE206}" type="datetimeFigureOut">
               <a:rPr lang="uk-UA" smtClean="0"/>
-              <a:t>17.01.2024</a:t>
+              <a:t>28.02.2024</a:t>
             </a:fld>
             <a:endParaRPr lang="uk-UA"/>
           </a:p>
@@ -3319,7 +3319,7 @@
           <a:p>
             <a:fld id="{D0D32466-2303-42CB-9FA8-8B6EFE5FE206}" type="datetimeFigureOut">
               <a:rPr lang="uk-UA" smtClean="0"/>
-              <a:t>17.01.2024</a:t>
+              <a:t>28.02.2024</a:t>
             </a:fld>
             <a:endParaRPr lang="uk-UA"/>
           </a:p>
@@ -3562,7 +3562,7 @@
           <a:p>
             <a:fld id="{D0D32466-2303-42CB-9FA8-8B6EFE5FE206}" type="datetimeFigureOut">
               <a:rPr lang="uk-UA" smtClean="0"/>
-              <a:t>17.01.2024</a:t>
+              <a:t>28.02.2024</a:t>
             </a:fld>
             <a:endParaRPr lang="uk-UA"/>
           </a:p>
@@ -11188,14 +11188,21 @@
               <a:t> </a:t>
             </a:r>
             <a:r>
-              <a:rPr lang="pl-PL" dirty="0">
-                <a:latin typeface="Times New Roman" panose="02020603050405020304" pitchFamily="18" charset="0"/>
-                <a:cs typeface="Times New Roman" panose="02020603050405020304" pitchFamily="18" charset="0"/>
-              </a:rPr>
-              <a:t>Queue</a:t>
-            </a:r>
-            <a:r>
-              <a:rPr lang="ru-RU" dirty="0">
+              <a:rPr lang="en-US" dirty="0" err="1">
+                <a:latin typeface="Times New Roman" panose="02020603050405020304" pitchFamily="18" charset="0"/>
+                <a:cs typeface="Times New Roman" panose="02020603050405020304" pitchFamily="18" charset="0"/>
+              </a:rPr>
+              <a:t>Deq</a:t>
+            </a:r>
+            <a:r>
+              <a:rPr lang="pl-PL">
+                <a:latin typeface="Times New Roman" panose="02020603050405020304" pitchFamily="18" charset="0"/>
+                <a:cs typeface="Times New Roman" panose="02020603050405020304" pitchFamily="18" charset="0"/>
+              </a:rPr>
+              <a:t>ue</a:t>
+            </a:r>
+            <a:r>
+              <a:rPr lang="ru-RU">
                 <a:latin typeface="Times New Roman" panose="02020603050405020304" pitchFamily="18" charset="0"/>
                 <a:cs typeface="Times New Roman" panose="02020603050405020304" pitchFamily="18" charset="0"/>
               </a:rPr>
@@ -17603,7 +17610,7 @@
           <a:graphicData uri="http://schemas.openxmlformats.org/presentationml/2006/ole">
             <mc:AlternateContent xmlns:mc="http://schemas.openxmlformats.org/markup-compatibility/2006">
               <mc:Choice xmlns:v="urn:schemas-microsoft-com:vml" Requires="v">
-                <p:oleObj spid="_x0000_s1062" name="Visio" r:id="rId3" imgW="4600642" imgH="3019529" progId="Visio.Drawing.11">
+                <p:oleObj spid="_x0000_s1068" name="Visio" r:id="rId3" imgW="4600642" imgH="3019529" progId="Visio.Drawing.11">
                   <p:embed/>
                 </p:oleObj>
               </mc:Choice>
@@ -17848,7 +17855,7 @@
           <a:graphicData uri="http://schemas.openxmlformats.org/presentationml/2006/ole">
             <mc:AlternateContent xmlns:mc="http://schemas.openxmlformats.org/markup-compatibility/2006">
               <mc:Choice xmlns:v="urn:schemas-microsoft-com:vml" Requires="v">
-                <p:oleObj spid="_x0000_s1063" name="Visio" r:id="rId5" imgW="2876769" imgH="752662" progId="Visio.Drawing.11">
+                <p:oleObj spid="_x0000_s1069" name="Visio" r:id="rId5" imgW="2876769" imgH="752662" progId="Visio.Drawing.11">
                   <p:embed/>
                 </p:oleObj>
               </mc:Choice>
